--- a/Slide_ITSA_Basics/ITSA Basics_06_10.pptx
+++ b/Slide_ITSA_Basics/ITSA Basics_06_10.pptx
@@ -115,6 +115,11 @@
       </a:defRPr>
     </a:lvl9pPr>
   </p:defaultTextStyle>
+  <p:extLst>
+    <p:ext uri="{EFAFB233-063F-42B5-8137-9DF3F51BA10A}">
+      <p15:sldGuideLst xmlns:p15="http://schemas.microsoft.com/office/powerpoint/2012/main"/>
+    </p:ext>
+  </p:extLst>
 </p:presentation>
 </file>
 
@@ -16254,7 +16259,7 @@
           <a:p>
             <a:fld id="{F6FA2B21-3FCD-4721-B95C-427943F61125}" type="datetime1">
               <a:rPr lang="en-US" smtClean="0"/>
-              <a:t>6/30/19</a:t>
+              <a:t>7/20/19</a:t>
             </a:fld>
             <a:endParaRPr lang="en-US"/>
           </a:p>
@@ -16434,7 +16439,7 @@
           <a:p>
             <a:fld id="{F6FA2B21-3FCD-4721-B95C-427943F61125}" type="datetime1">
               <a:rPr lang="en-US" smtClean="0"/>
-              <a:t>6/30/19</a:t>
+              <a:t>7/20/19</a:t>
             </a:fld>
             <a:endParaRPr lang="en-US"/>
           </a:p>
@@ -16615,7 +16620,7 @@
           <a:p>
             <a:fld id="{F6FA2B21-3FCD-4721-B95C-427943F61125}" type="datetime1">
               <a:rPr lang="en-US" smtClean="0"/>
-              <a:t>6/30/19</a:t>
+              <a:t>7/20/19</a:t>
             </a:fld>
             <a:endParaRPr lang="en-US"/>
           </a:p>
@@ -16786,7 +16791,7 @@
           <a:p>
             <a:fld id="{F6FA2B21-3FCD-4721-B95C-427943F61125}" type="datetime1">
               <a:rPr lang="en-US" smtClean="0"/>
-              <a:t>6/30/19</a:t>
+              <a:t>7/20/19</a:t>
             </a:fld>
             <a:endParaRPr lang="en-US"/>
           </a:p>
@@ -17108,7 +17113,7 @@
           <a:p>
             <a:fld id="{F6FA2B21-3FCD-4721-B95C-427943F61125}" type="datetime1">
               <a:rPr lang="en-US" smtClean="0"/>
-              <a:t>6/30/19</a:t>
+              <a:t>7/20/19</a:t>
             </a:fld>
             <a:endParaRPr lang="en-US"/>
           </a:p>
@@ -17569,7 +17574,7 @@
           <a:p>
             <a:fld id="{F6FA2B21-3FCD-4721-B95C-427943F61125}" type="datetime1">
               <a:rPr lang="en-US" smtClean="0"/>
-              <a:t>6/30/19</a:t>
+              <a:t>7/20/19</a:t>
             </a:fld>
             <a:endParaRPr lang="en-US"/>
           </a:p>
@@ -17981,7 +17986,7 @@
           <a:p>
             <a:fld id="{F6FA2B21-3FCD-4721-B95C-427943F61125}" type="datetime1">
               <a:rPr lang="en-US" smtClean="0"/>
-              <a:t>6/30/19</a:t>
+              <a:t>7/20/19</a:t>
             </a:fld>
             <a:endParaRPr lang="en-US"/>
           </a:p>
@@ -18100,7 +18105,7 @@
           <a:p>
             <a:fld id="{F6FA2B21-3FCD-4721-B95C-427943F61125}" type="datetime1">
               <a:rPr lang="en-US" smtClean="0"/>
-              <a:t>6/30/19</a:t>
+              <a:t>7/20/19</a:t>
             </a:fld>
             <a:endParaRPr lang="en-US"/>
           </a:p>
@@ -18219,7 +18224,7 @@
           <a:p>
             <a:fld id="{F6FA2B21-3FCD-4721-B95C-427943F61125}" type="datetime1">
               <a:rPr lang="en-US" smtClean="0"/>
-              <a:t>6/30/19</a:t>
+              <a:t>7/20/19</a:t>
             </a:fld>
             <a:endParaRPr lang="en-US"/>
           </a:p>
@@ -18578,7 +18583,7 @@
           <a:p>
             <a:fld id="{F6FA2B21-3FCD-4721-B95C-427943F61125}" type="datetime1">
               <a:rPr lang="en-US" smtClean="0"/>
-              <a:t>6/30/19</a:t>
+              <a:t>7/20/19</a:t>
             </a:fld>
             <a:endParaRPr lang="en-US"/>
           </a:p>
@@ -19086,7 +19091,7 @@
           <a:p>
             <a:fld id="{F6FA2B21-3FCD-4721-B95C-427943F61125}" type="datetime1">
               <a:rPr lang="en-US" smtClean="0"/>
-              <a:t>6/30/19</a:t>
+              <a:t>7/20/19</a:t>
             </a:fld>
             <a:endParaRPr lang="en-US"/>
           </a:p>
@@ -19442,7 +19447,7 @@
           <a:p>
             <a:fld id="{F6FA2B21-3FCD-4721-B95C-427943F61125}" type="datetime1">
               <a:rPr lang="en-US" smtClean="0"/>
-              <a:t>6/30/19</a:t>
+              <a:t>7/20/19</a:t>
             </a:fld>
             <a:endParaRPr lang="en-US"/>
           </a:p>
@@ -20353,8 +20358,8 @@
         </p:nvSpPr>
         <p:spPr>
           <a:xfrm>
-            <a:off x="512747" y="150362"/>
-            <a:ext cx="3392275" cy="2862322"/>
+            <a:off x="529839" y="306333"/>
+            <a:ext cx="3392275" cy="3970318"/>
           </a:xfrm>
           <a:prstGeom prst="rect">
             <a:avLst/>
@@ -20415,6 +20420,34 @@
               </a:rPr>
               <a:t>(a, b)</a:t>
             </a:r>
+          </a:p>
+          <a:p>
+            <a:endParaRPr kumimoji="1" lang="en" altLang="zh-TW" dirty="0">
+              <a:latin typeface="Menlo" panose="020B0609030804020204" pitchFamily="49" charset="0"/>
+              <a:ea typeface="Menlo" panose="020B0609030804020204" pitchFamily="49" charset="0"/>
+              <a:cs typeface="Menlo" panose="020B0609030804020204" pitchFamily="49" charset="0"/>
+            </a:endParaRPr>
+          </a:p>
+          <a:p>
+            <a:endParaRPr kumimoji="1" lang="en" altLang="zh-TW" dirty="0">
+              <a:latin typeface="Menlo" panose="020B0609030804020204" pitchFamily="49" charset="0"/>
+              <a:ea typeface="Menlo" panose="020B0609030804020204" pitchFamily="49" charset="0"/>
+              <a:cs typeface="Menlo" panose="020B0609030804020204" pitchFamily="49" charset="0"/>
+            </a:endParaRPr>
+          </a:p>
+          <a:p>
+            <a:endParaRPr kumimoji="1" lang="en" altLang="zh-TW" dirty="0">
+              <a:latin typeface="Menlo" panose="020B0609030804020204" pitchFamily="49" charset="0"/>
+              <a:ea typeface="Menlo" panose="020B0609030804020204" pitchFamily="49" charset="0"/>
+              <a:cs typeface="Menlo" panose="020B0609030804020204" pitchFamily="49" charset="0"/>
+            </a:endParaRPr>
+          </a:p>
+          <a:p>
+            <a:endParaRPr kumimoji="1" lang="en" altLang="zh-TW" dirty="0">
+              <a:latin typeface="Menlo" panose="020B0609030804020204" pitchFamily="49" charset="0"/>
+              <a:ea typeface="Menlo" panose="020B0609030804020204" pitchFamily="49" charset="0"/>
+              <a:cs typeface="Menlo" panose="020B0609030804020204" pitchFamily="49" charset="0"/>
+            </a:endParaRPr>
           </a:p>
           <a:p>
             <a:endParaRPr kumimoji="1" lang="en" altLang="zh-TW" dirty="0">
@@ -20585,8 +20618,11 @@
           <a:bodyPr rtlCol="0" anchor="ctr"/>
           <a:lstStyle/>
           <a:p>
-            <a:pPr algn="ctr"/>
-            <a:endParaRPr kumimoji="1" lang="zh-TW" altLang="en-US"/>
+            <a:r>
+              <a:rPr kumimoji="1" lang="en-US" altLang="zh-TW" dirty="0"/>
+              <a:t>45</a:t>
+            </a:r>
+            <a:endParaRPr kumimoji="1" lang="zh-TW" altLang="en-US" dirty="0"/>
           </a:p>
         </p:txBody>
       </p:sp>
@@ -20634,8 +20670,11 @@
           <a:bodyPr rtlCol="0" anchor="ctr"/>
           <a:lstStyle/>
           <a:p>
-            <a:pPr algn="ctr"/>
-            <a:endParaRPr kumimoji="1" lang="zh-TW" altLang="en-US"/>
+            <a:r>
+              <a:rPr kumimoji="1" lang="en-US" altLang="zh-TW" dirty="0"/>
+              <a:t>27</a:t>
+            </a:r>
+            <a:endParaRPr kumimoji="1" lang="zh-TW" altLang="en-US" dirty="0"/>
           </a:p>
         </p:txBody>
       </p:sp>
@@ -20683,8 +20722,11 @@
           <a:bodyPr rtlCol="0" anchor="ctr"/>
           <a:lstStyle/>
           <a:p>
-            <a:pPr algn="ctr"/>
-            <a:endParaRPr kumimoji="1" lang="zh-TW" altLang="en-US"/>
+            <a:r>
+              <a:rPr kumimoji="1" lang="en-US" altLang="zh-TW" dirty="0"/>
+              <a:t>18</a:t>
+            </a:r>
+            <a:endParaRPr kumimoji="1" lang="zh-TW" altLang="en-US" dirty="0"/>
           </a:p>
         </p:txBody>
       </p:sp>
@@ -20732,8 +20774,11 @@
           <a:bodyPr rtlCol="0" anchor="ctr"/>
           <a:lstStyle/>
           <a:p>
-            <a:pPr algn="ctr"/>
-            <a:endParaRPr kumimoji="1" lang="zh-TW" altLang="en-US"/>
+            <a:r>
+              <a:rPr kumimoji="1" lang="en-US" altLang="zh-TW" dirty="0"/>
+              <a:t>18</a:t>
+            </a:r>
+            <a:endParaRPr kumimoji="1" lang="zh-TW" altLang="en-US" dirty="0"/>
           </a:p>
         </p:txBody>
       </p:sp>
@@ -20781,8 +20826,11 @@
           <a:bodyPr rtlCol="0" anchor="ctr"/>
           <a:lstStyle/>
           <a:p>
-            <a:pPr algn="ctr"/>
-            <a:endParaRPr kumimoji="1" lang="zh-TW" altLang="en-US"/>
+            <a:r>
+              <a:rPr kumimoji="1" lang="en-US" altLang="zh-TW" dirty="0"/>
+              <a:t>9</a:t>
+            </a:r>
+            <a:endParaRPr kumimoji="1" lang="zh-TW" altLang="en-US" dirty="0"/>
           </a:p>
         </p:txBody>
       </p:sp>
@@ -20830,8 +20878,19 @@
           <a:bodyPr rtlCol="0" anchor="ctr"/>
           <a:lstStyle/>
           <a:p>
-            <a:pPr algn="ctr"/>
-            <a:endParaRPr kumimoji="1" lang="zh-TW" altLang="en-US"/>
+            <a:r>
+              <a:rPr kumimoji="1" lang="en-US" altLang="zh-TW" dirty="0">
+                <a:solidFill>
+                  <a:schemeClr val="tx1"/>
+                </a:solidFill>
+              </a:rPr>
+              <a:t>9</a:t>
+            </a:r>
+            <a:endParaRPr kumimoji="1" lang="zh-TW" altLang="en-US" dirty="0">
+              <a:solidFill>
+                <a:schemeClr val="tx1"/>
+              </a:solidFill>
+            </a:endParaRPr>
           </a:p>
         </p:txBody>
       </p:sp>
@@ -20879,8 +20938,19 @@
           <a:bodyPr rtlCol="0" anchor="ctr"/>
           <a:lstStyle/>
           <a:p>
-            <a:pPr algn="ctr"/>
-            <a:endParaRPr kumimoji="1" lang="zh-TW" altLang="en-US"/>
+            <a:r>
+              <a:rPr kumimoji="1" lang="en-US" altLang="zh-TW" dirty="0">
+                <a:solidFill>
+                  <a:schemeClr val="tx1"/>
+                </a:solidFill>
+              </a:rPr>
+              <a:t>9</a:t>
+            </a:r>
+            <a:endParaRPr kumimoji="1" lang="zh-TW" altLang="en-US" dirty="0">
+              <a:solidFill>
+                <a:schemeClr val="tx1"/>
+              </a:solidFill>
+            </a:endParaRPr>
           </a:p>
         </p:txBody>
       </p:sp>
@@ -21484,8 +21554,8 @@
         </p:blipFill>
         <p:spPr>
           <a:xfrm>
-            <a:off x="188007" y="697076"/>
-            <a:ext cx="4320000" cy="3727059"/>
+            <a:off x="424446" y="697076"/>
+            <a:ext cx="3574986" cy="3084302"/>
           </a:xfrm>
           <a:prstGeom prst="rect">
             <a:avLst/>
@@ -21519,7 +21589,7 @@
         </p:blipFill>
         <p:spPr>
           <a:xfrm>
-            <a:off x="4635995" y="697076"/>
+            <a:off x="4399554" y="697076"/>
             <a:ext cx="4320000" cy="3084302"/>
           </a:xfrm>
           <a:prstGeom prst="rect">
@@ -21548,7 +21618,7 @@
             </p:nvSpPr>
             <p:spPr>
               <a:xfrm>
-                <a:off x="4635995" y="3991640"/>
+                <a:off x="4399554" y="3923273"/>
                 <a:ext cx="4631653" cy="649409"/>
               </a:xfrm>
               <a:prstGeom prst="rect">
@@ -21668,7 +21738,7 @@
             </p:nvSpPr>
             <p:spPr>
               <a:xfrm>
-                <a:off x="4635995" y="3991640"/>
+                <a:off x="4399554" y="3923273"/>
                 <a:ext cx="4631653" cy="649409"/>
               </a:xfrm>
               <a:prstGeom prst="rect">
@@ -21677,7 +21747,7 @@
               <a:blipFill>
                 <a:blip r:embed="rId4"/>
                 <a:stretch>
-                  <a:fillRect l="-1093" t="-1923" b="-13462"/>
+                  <a:fillRect l="-820" t="-3846" b="-11538"/>
                 </a:stretch>
               </a:blipFill>
             </p:spPr>
@@ -21875,7 +21945,7 @@
         </p:blipFill>
         <p:spPr>
           <a:xfrm>
-            <a:off x="183379" y="174091"/>
+            <a:off x="149196" y="167592"/>
             <a:ext cx="4533900" cy="2501900"/>
           </a:xfrm>
           <a:prstGeom prst="rect">

--- a/Slide_ITSA_Basics/ITSA Basics_06_10.pptx
+++ b/Slide_ITSA_Basics/ITSA Basics_06_10.pptx
@@ -16259,7 +16259,7 @@
           <a:p>
             <a:fld id="{F6FA2B21-3FCD-4721-B95C-427943F61125}" type="datetime1">
               <a:rPr lang="en-US" smtClean="0"/>
-              <a:t>7/20/19</a:t>
+              <a:t>7/21/19</a:t>
             </a:fld>
             <a:endParaRPr lang="en-US"/>
           </a:p>
@@ -16439,7 +16439,7 @@
           <a:p>
             <a:fld id="{F6FA2B21-3FCD-4721-B95C-427943F61125}" type="datetime1">
               <a:rPr lang="en-US" smtClean="0"/>
-              <a:t>7/20/19</a:t>
+              <a:t>7/21/19</a:t>
             </a:fld>
             <a:endParaRPr lang="en-US"/>
           </a:p>
@@ -16620,7 +16620,7 @@
           <a:p>
             <a:fld id="{F6FA2B21-3FCD-4721-B95C-427943F61125}" type="datetime1">
               <a:rPr lang="en-US" smtClean="0"/>
-              <a:t>7/20/19</a:t>
+              <a:t>7/21/19</a:t>
             </a:fld>
             <a:endParaRPr lang="en-US"/>
           </a:p>
@@ -16791,7 +16791,7 @@
           <a:p>
             <a:fld id="{F6FA2B21-3FCD-4721-B95C-427943F61125}" type="datetime1">
               <a:rPr lang="en-US" smtClean="0"/>
-              <a:t>7/20/19</a:t>
+              <a:t>7/21/19</a:t>
             </a:fld>
             <a:endParaRPr lang="en-US"/>
           </a:p>
@@ -17113,7 +17113,7 @@
           <a:p>
             <a:fld id="{F6FA2B21-3FCD-4721-B95C-427943F61125}" type="datetime1">
               <a:rPr lang="en-US" smtClean="0"/>
-              <a:t>7/20/19</a:t>
+              <a:t>7/21/19</a:t>
             </a:fld>
             <a:endParaRPr lang="en-US"/>
           </a:p>
@@ -17574,7 +17574,7 @@
           <a:p>
             <a:fld id="{F6FA2B21-3FCD-4721-B95C-427943F61125}" type="datetime1">
               <a:rPr lang="en-US" smtClean="0"/>
-              <a:t>7/20/19</a:t>
+              <a:t>7/21/19</a:t>
             </a:fld>
             <a:endParaRPr lang="en-US"/>
           </a:p>
@@ -17986,7 +17986,7 @@
           <a:p>
             <a:fld id="{F6FA2B21-3FCD-4721-B95C-427943F61125}" type="datetime1">
               <a:rPr lang="en-US" smtClean="0"/>
-              <a:t>7/20/19</a:t>
+              <a:t>7/21/19</a:t>
             </a:fld>
             <a:endParaRPr lang="en-US"/>
           </a:p>
@@ -18105,7 +18105,7 @@
           <a:p>
             <a:fld id="{F6FA2B21-3FCD-4721-B95C-427943F61125}" type="datetime1">
               <a:rPr lang="en-US" smtClean="0"/>
-              <a:t>7/20/19</a:t>
+              <a:t>7/21/19</a:t>
             </a:fld>
             <a:endParaRPr lang="en-US"/>
           </a:p>
@@ -18224,7 +18224,7 @@
           <a:p>
             <a:fld id="{F6FA2B21-3FCD-4721-B95C-427943F61125}" type="datetime1">
               <a:rPr lang="en-US" smtClean="0"/>
-              <a:t>7/20/19</a:t>
+              <a:t>7/21/19</a:t>
             </a:fld>
             <a:endParaRPr lang="en-US"/>
           </a:p>
@@ -18583,7 +18583,7 @@
           <a:p>
             <a:fld id="{F6FA2B21-3FCD-4721-B95C-427943F61125}" type="datetime1">
               <a:rPr lang="en-US" smtClean="0"/>
-              <a:t>7/20/19</a:t>
+              <a:t>7/21/19</a:t>
             </a:fld>
             <a:endParaRPr lang="en-US"/>
           </a:p>
@@ -19091,7 +19091,7 @@
           <a:p>
             <a:fld id="{F6FA2B21-3FCD-4721-B95C-427943F61125}" type="datetime1">
               <a:rPr lang="en-US" smtClean="0"/>
-              <a:t>7/20/19</a:t>
+              <a:t>7/21/19</a:t>
             </a:fld>
             <a:endParaRPr lang="en-US"/>
           </a:p>
@@ -19447,7 +19447,7 @@
           <a:p>
             <a:fld id="{F6FA2B21-3FCD-4721-B95C-427943F61125}" type="datetime1">
               <a:rPr lang="en-US" smtClean="0"/>
-              <a:t>7/20/19</a:t>
+              <a:t>7/21/19</a:t>
             </a:fld>
             <a:endParaRPr lang="en-US"/>
           </a:p>
@@ -20359,7 +20359,7 @@
         <p:spPr>
           <a:xfrm>
             <a:off x="529839" y="306333"/>
-            <a:ext cx="3392275" cy="3970318"/>
+            <a:ext cx="3768696" cy="3970318"/>
           </a:xfrm>
           <a:prstGeom prst="rect">
             <a:avLst/>
@@ -20367,10 +20367,20 @@
           <a:noFill/>
         </p:spPr>
         <p:txBody>
-          <a:bodyPr wrap="none" rtlCol="0">
+          <a:bodyPr wrap="square" rtlCol="0">
             <a:spAutoFit/>
           </a:bodyPr>
           <a:lstStyle/>
+          <a:p>
+            <a:r>
+              <a:rPr lang="en" altLang="zh-TW" dirty="0">
+                <a:latin typeface="Menlo" panose="020B0609030804020204" pitchFamily="49" charset="0"/>
+                <a:ea typeface="Menlo" panose="020B0609030804020204" pitchFamily="49" charset="0"/>
+                <a:cs typeface="Menlo" panose="020B0609030804020204" pitchFamily="49" charset="0"/>
+              </a:rPr>
+              <a:t>Greatest Common Divisor</a:t>
+            </a:r>
+          </a:p>
           <a:p>
             <a:r>
               <a:rPr lang="en" altLang="zh-TW" dirty="0" err="1">
@@ -20420,8 +20430,6 @@
               </a:rPr>
               <a:t>(a, b)</a:t>
             </a:r>
-          </a:p>
-          <a:p>
             <a:endParaRPr kumimoji="1" lang="en" altLang="zh-TW" dirty="0">
               <a:latin typeface="Menlo" panose="020B0609030804020204" pitchFamily="49" charset="0"/>
               <a:ea typeface="Menlo" panose="020B0609030804020204" pitchFamily="49" charset="0"/>
@@ -21602,8 +21610,8 @@
           </a:ln>
         </p:spPr>
       </p:pic>
-      <mc:AlternateContent xmlns:mc="http://schemas.openxmlformats.org/markup-compatibility/2006">
-        <mc:Choice xmlns:a14="http://schemas.microsoft.com/office/drawing/2010/main" Requires="a14">
+      <mc:AlternateContent xmlns:mc="http://schemas.openxmlformats.org/markup-compatibility/2006" xmlns:a14="http://schemas.microsoft.com/office/drawing/2010/main">
+        <mc:Choice Requires="a14">
           <p:sp>
             <p:nvSpPr>
               <p:cNvPr id="8" name="文字方塊 7">
@@ -21673,7 +21681,7 @@
                 </a14:m>
                 <a:r>
                   <a:rPr kumimoji="1" lang="en-US" altLang="zh-TW" dirty="0"/>
-                  <a:t> and p &gt;= </a:t>
+                  <a:t> and q &gt;= </a:t>
                 </a:r>
                 <a14:m>
                   <m:oMath xmlns:m="http://schemas.openxmlformats.org/officeDocument/2006/math">
@@ -21721,7 +21729,7 @@
             </p:txBody>
           </p:sp>
         </mc:Choice>
-        <mc:Fallback>
+        <mc:Fallback xmlns="">
           <p:sp>
             <p:nvSpPr>
               <p:cNvPr id="8" name="文字方塊 7">
